--- a/Output/Reports/Performance analysis.pptx
+++ b/Output/Reports/Performance analysis.pptx
@@ -6,6 +6,7 @@
   </p:sldMasterIdLst>
   <p:sldIdLst>
     <p:sldId id="256" r:id="rId2"/>
+    <p:sldId id="257" r:id="rId3"/>
   </p:sldIdLst>
   <p:sldSz cx="12192000" cy="6858000"/>
   <p:notesSz cx="6858000" cy="9144000"/>
@@ -112,6 +113,258 @@
 </p:presentation>
 </file>
 
+<file path=ppt/ink/ink1.xml><?xml version="1.0" encoding="utf-8"?>
+<inkml:ink xmlns:inkml="http://www.w3.org/2003/InkML">
+  <inkml:definitions>
+    <inkml:context xml:id="ctx0">
+      <inkml:inkSource xml:id="inkSrc0">
+        <inkml:traceFormat>
+          <inkml:channel name="X" type="integer" min="-2.14748E9" max="2.14748E9" units="cm"/>
+          <inkml:channel name="Y" type="integer" min="-2.14748E9" max="2.14748E9" units="cm"/>
+          <inkml:channel name="F" type="integer" max="32767" units="dev"/>
+        </inkml:traceFormat>
+        <inkml:channelProperties>
+          <inkml:channelProperty channel="X" name="resolution" value="1000" units="1/cm"/>
+          <inkml:channelProperty channel="Y" name="resolution" value="1000" units="1/cm"/>
+          <inkml:channelProperty channel="F" name="resolution" value="0" units="1/dev"/>
+        </inkml:channelProperties>
+      </inkml:inkSource>
+      <inkml:timestamp xml:id="ts0" timeString="2023-05-17T12:48:58.938"/>
+    </inkml:context>
+    <inkml:brush xml:id="br0">
+      <inkml:brushProperty name="width" value="0.35" units="cm"/>
+      <inkml:brushProperty name="height" value="0.35" units="cm"/>
+      <inkml:brushProperty name="color" value="#FFFFFF"/>
+    </inkml:brush>
+  </inkml:definitions>
+  <inkml:trace contextRef="#ctx0" brushRef="#br0">1 0 24575,'0'0'0</inkml:trace>
+</inkml:ink>
+</file>
+
+<file path=ppt/ink/ink2.xml><?xml version="1.0" encoding="utf-8"?>
+<inkml:ink xmlns:inkml="http://www.w3.org/2003/InkML">
+  <inkml:definitions>
+    <inkml:context xml:id="ctx0">
+      <inkml:inkSource xml:id="inkSrc0">
+        <inkml:traceFormat>
+          <inkml:channel name="X" type="integer" min="-2.14748E9" max="2.14748E9" units="cm"/>
+          <inkml:channel name="Y" type="integer" min="-2.14748E9" max="2.14748E9" units="cm"/>
+          <inkml:channel name="F" type="integer" max="32767" units="dev"/>
+        </inkml:traceFormat>
+        <inkml:channelProperties>
+          <inkml:channelProperty channel="X" name="resolution" value="1000" units="1/cm"/>
+          <inkml:channelProperty channel="Y" name="resolution" value="1000" units="1/cm"/>
+          <inkml:channelProperty channel="F" name="resolution" value="0" units="1/dev"/>
+        </inkml:channelProperties>
+      </inkml:inkSource>
+      <inkml:timestamp xml:id="ts0" timeString="2023-05-17T12:49:00.922"/>
+    </inkml:context>
+    <inkml:brush xml:id="br0">
+      <inkml:brushProperty name="width" value="0.35" units="cm"/>
+      <inkml:brushProperty name="height" value="0.35" units="cm"/>
+      <inkml:brushProperty name="color" value="#FFFFFF"/>
+    </inkml:brush>
+  </inkml:definitions>
+  <inkml:trace contextRef="#ctx0" brushRef="#br0">516 1 24575,'-51'56'0,"1"0"0,16-18 0,-1 3 0,-4 12 0,-3 7 0,3-4 0,4-3 0,4-3 0,2-4 0,3-1 0,-15 32 0,14-12 0,10-9 0,6-8 0,5 0 0,4-6 0,2-2 0,0-4 0,7-5 0,14-2 0,19 0 0,21-2 0,14-2 0,9-5 0,4-9 0,-4-7 0,-10-13 0,-14-15 0,-12-13 0,-12-12 0,-7-4 0,-7-1 0,-4-4 0,-6-4 0,-6-4 0,-3-6 0,-3-6 0,-2-5 0,-11-5 0,-13-2 0,-13 4 0,-7 11 0,4 15 0,5 21 0,4 16 0,0 10 0,-3 7 0,-4 4 0,-5 3 0,-7 23 0,-7 31 0,27-12 0,1 6 0,0 9 0,3 2 0,4-1 0,3 0 0,4-6 0,4-1 0,-1 29 0,8-24 0,6-18 0,11-14 0,6-9 0,-3-6 0,-1-7 0</inkml:trace>
+</inkml:ink>
+</file>
+
+<file path=ppt/ink/ink3.xml><?xml version="1.0" encoding="utf-8"?>
+<inkml:ink xmlns:inkml="http://www.w3.org/2003/InkML">
+  <inkml:definitions>
+    <inkml:context xml:id="ctx0">
+      <inkml:inkSource xml:id="inkSrc0">
+        <inkml:traceFormat>
+          <inkml:channel name="X" type="integer" min="-2.14748E9" max="2.14748E9" units="cm"/>
+          <inkml:channel name="Y" type="integer" min="-2.14748E9" max="2.14748E9" units="cm"/>
+          <inkml:channel name="F" type="integer" max="32767" units="dev"/>
+        </inkml:traceFormat>
+        <inkml:channelProperties>
+          <inkml:channelProperty channel="X" name="resolution" value="1000" units="1/cm"/>
+          <inkml:channelProperty channel="Y" name="resolution" value="1000" units="1/cm"/>
+          <inkml:channelProperty channel="F" name="resolution" value="0" units="1/dev"/>
+        </inkml:channelProperties>
+      </inkml:inkSource>
+      <inkml:timestamp xml:id="ts0" timeString="2023-05-17T12:49:13.871"/>
+    </inkml:context>
+    <inkml:brush xml:id="br0">
+      <inkml:brushProperty name="width" value="0.35" units="cm"/>
+      <inkml:brushProperty name="height" value="0.35" units="cm"/>
+      <inkml:brushProperty name="color" value="#FFFFFF"/>
+    </inkml:brush>
+  </inkml:definitions>
+  <inkml:trace contextRef="#ctx0" brushRef="#br0">0 112 24575,'38'7'0,"-2"2"0,0 5 0,-2 3 0,-2 1 0,0 2 0,-5-2 0,-2-1 0,-4-3 0,-3-3 0,-2-2 0,-3-2 0,-4 0 0,-2 0 0,0-1 0,2 1 0,-1 2 0,-1 2 0,1 2 0,-1 0 0,3 2 0,2 2 0,0 0 0,3 2 0,-3 0 0,0 0 0,-2-1 0,-1 1 0,0-1 0,-1-2 0,-2-7 0,-15-45 0,0 9 0,-11-31 0,8 31 0,5 9 0,2 5 0,3 1 0,1-1 0,0-3 0,-1 4 0,-2 1 0,-1 2 0,1 2 0,0-1 0,-2-4 0,-3-2 0,-1-4 0,-1-1 0,1 2 0,0 1 0,0-1 0,1 1 0,-1-2 0,1 1 0,1 0 0,1 3 0,2 2 0,0 3 0,0 1 0,0 1 0,-2-4 0,1 3 0,-1-1 0,1 4 0</inkml:trace>
+</inkml:ink>
+</file>
+
+<file path=ppt/ink/ink4.xml><?xml version="1.0" encoding="utf-8"?>
+<inkml:ink xmlns:inkml="http://www.w3.org/2003/InkML">
+  <inkml:definitions>
+    <inkml:context xml:id="ctx0">
+      <inkml:inkSource xml:id="inkSrc0">
+        <inkml:traceFormat>
+          <inkml:channel name="X" type="integer" min="-2.14748E9" max="2.14748E9" units="cm"/>
+          <inkml:channel name="Y" type="integer" min="-2.14748E9" max="2.14748E9" units="cm"/>
+          <inkml:channel name="F" type="integer" max="32767" units="dev"/>
+        </inkml:traceFormat>
+        <inkml:channelProperties>
+          <inkml:channelProperty channel="X" name="resolution" value="1000" units="1/cm"/>
+          <inkml:channelProperty channel="Y" name="resolution" value="1000" units="1/cm"/>
+          <inkml:channelProperty channel="F" name="resolution" value="0" units="1/dev"/>
+        </inkml:channelProperties>
+      </inkml:inkSource>
+      <inkml:timestamp xml:id="ts0" timeString="2023-05-17T12:49:16.237"/>
+    </inkml:context>
+    <inkml:brush xml:id="br0">
+      <inkml:brushProperty name="width" value="0.35" units="cm"/>
+      <inkml:brushProperty name="height" value="0.35" units="cm"/>
+      <inkml:brushProperty name="color" value="#FFFFFF"/>
+    </inkml:brush>
+  </inkml:definitions>
+  <inkml:trace contextRef="#ctx0" brushRef="#br0">1 0 24575,'0'0'0</inkml:trace>
+</inkml:ink>
+</file>
+
+<file path=ppt/ink/ink5.xml><?xml version="1.0" encoding="utf-8"?>
+<inkml:ink xmlns:inkml="http://www.w3.org/2003/InkML">
+  <inkml:definitions>
+    <inkml:context xml:id="ctx0">
+      <inkml:inkSource xml:id="inkSrc0">
+        <inkml:traceFormat>
+          <inkml:channel name="X" type="integer" min="-2.14748E9" max="2.14748E9" units="cm"/>
+          <inkml:channel name="Y" type="integer" min="-2.14748E9" max="2.14748E9" units="cm"/>
+          <inkml:channel name="F" type="integer" max="32767" units="dev"/>
+        </inkml:traceFormat>
+        <inkml:channelProperties>
+          <inkml:channelProperty channel="X" name="resolution" value="1000" units="1/cm"/>
+          <inkml:channelProperty channel="Y" name="resolution" value="1000" units="1/cm"/>
+          <inkml:channelProperty channel="F" name="resolution" value="0" units="1/dev"/>
+        </inkml:channelProperties>
+      </inkml:inkSource>
+      <inkml:timestamp xml:id="ts0" timeString="2023-05-17T12:49:18.454"/>
+    </inkml:context>
+    <inkml:brush xml:id="br0">
+      <inkml:brushProperty name="width" value="0.35" units="cm"/>
+      <inkml:brushProperty name="height" value="0.35" units="cm"/>
+      <inkml:brushProperty name="color" value="#FFFFFF"/>
+    </inkml:brush>
+  </inkml:definitions>
+  <inkml:trace contextRef="#ctx0" brushRef="#br0">0 0 24575,'0'0'0</inkml:trace>
+</inkml:ink>
+</file>
+
+<file path=ppt/ink/ink6.xml><?xml version="1.0" encoding="utf-8"?>
+<inkml:ink xmlns:inkml="http://www.w3.org/2003/InkML">
+  <inkml:definitions>
+    <inkml:context xml:id="ctx0">
+      <inkml:inkSource xml:id="inkSrc0">
+        <inkml:traceFormat>
+          <inkml:channel name="X" type="integer" min="-2.14748E9" max="2.14748E9" units="cm"/>
+          <inkml:channel name="Y" type="integer" min="-2.14748E9" max="2.14748E9" units="cm"/>
+          <inkml:channel name="F" type="integer" max="32767" units="dev"/>
+        </inkml:traceFormat>
+        <inkml:channelProperties>
+          <inkml:channelProperty channel="X" name="resolution" value="1000" units="1/cm"/>
+          <inkml:channelProperty channel="Y" name="resolution" value="1000" units="1/cm"/>
+          <inkml:channelProperty channel="F" name="resolution" value="0" units="1/dev"/>
+        </inkml:channelProperties>
+      </inkml:inkSource>
+      <inkml:timestamp xml:id="ts0" timeString="2023-05-17T12:49:17.103"/>
+    </inkml:context>
+    <inkml:brush xml:id="br0">
+      <inkml:brushProperty name="width" value="0.35" units="cm"/>
+      <inkml:brushProperty name="height" value="0.35" units="cm"/>
+      <inkml:brushProperty name="color" value="#FFFFFF"/>
+    </inkml:brush>
+  </inkml:definitions>
+  <inkml:trace contextRef="#ctx0" brushRef="#br0">0 1 24575,'0'0'0</inkml:trace>
+</inkml:ink>
+</file>
+
+<file path=ppt/ink/ink7.xml><?xml version="1.0" encoding="utf-8"?>
+<inkml:ink xmlns:inkml="http://www.w3.org/2003/InkML">
+  <inkml:definitions>
+    <inkml:context xml:id="ctx0">
+      <inkml:inkSource xml:id="inkSrc0">
+        <inkml:traceFormat>
+          <inkml:channel name="X" type="integer" min="-2.14748E9" max="2.14748E9" units="cm"/>
+          <inkml:channel name="Y" type="integer" min="-2.14748E9" max="2.14748E9" units="cm"/>
+          <inkml:channel name="F" type="integer" max="32767" units="dev"/>
+        </inkml:traceFormat>
+        <inkml:channelProperties>
+          <inkml:channelProperty channel="X" name="resolution" value="1000" units="1/cm"/>
+          <inkml:channelProperty channel="Y" name="resolution" value="1000" units="1/cm"/>
+          <inkml:channelProperty channel="F" name="resolution" value="0" units="1/dev"/>
+        </inkml:channelProperties>
+      </inkml:inkSource>
+      <inkml:timestamp xml:id="ts0" timeString="2023-05-17T12:49:19.554"/>
+    </inkml:context>
+    <inkml:brush xml:id="br0">
+      <inkml:brushProperty name="width" value="0.35" units="cm"/>
+      <inkml:brushProperty name="height" value="0.35" units="cm"/>
+      <inkml:brushProperty name="color" value="#FFFFFF"/>
+    </inkml:brush>
+  </inkml:definitions>
+  <inkml:trace contextRef="#ctx0" brushRef="#br0">1 1 24575,'0'0'0</inkml:trace>
+</inkml:ink>
+</file>
+
+<file path=ppt/ink/ink8.xml><?xml version="1.0" encoding="utf-8"?>
+<inkml:ink xmlns:inkml="http://www.w3.org/2003/InkML">
+  <inkml:definitions>
+    <inkml:context xml:id="ctx0">
+      <inkml:inkSource xml:id="inkSrc0">
+        <inkml:traceFormat>
+          <inkml:channel name="X" type="integer" min="-2.14748E9" max="2.14748E9" units="cm"/>
+          <inkml:channel name="Y" type="integer" min="-2.14748E9" max="2.14748E9" units="cm"/>
+          <inkml:channel name="F" type="integer" max="32767" units="dev"/>
+        </inkml:traceFormat>
+        <inkml:channelProperties>
+          <inkml:channelProperty channel="X" name="resolution" value="1000" units="1/cm"/>
+          <inkml:channelProperty channel="Y" name="resolution" value="1000" units="1/cm"/>
+          <inkml:channelProperty channel="F" name="resolution" value="0" units="1/dev"/>
+        </inkml:channelProperties>
+      </inkml:inkSource>
+      <inkml:timestamp xml:id="ts0" timeString="2023-05-17T12:49:22.121"/>
+    </inkml:context>
+    <inkml:brush xml:id="br0">
+      <inkml:brushProperty name="width" value="0.35" units="cm"/>
+      <inkml:brushProperty name="height" value="0.35" units="cm"/>
+      <inkml:brushProperty name="color" value="#FFFFFF"/>
+    </inkml:brush>
+  </inkml:definitions>
+  <inkml:trace contextRef="#ctx0" brushRef="#br0">0 0 24575,'0'0'0</inkml:trace>
+</inkml:ink>
+</file>
+
+<file path=ppt/ink/ink9.xml><?xml version="1.0" encoding="utf-8"?>
+<inkml:ink xmlns:inkml="http://www.w3.org/2003/InkML">
+  <inkml:definitions>
+    <inkml:context xml:id="ctx0">
+      <inkml:inkSource xml:id="inkSrc0">
+        <inkml:traceFormat>
+          <inkml:channel name="X" type="integer" min="-2.14748E9" max="2.14748E9" units="cm"/>
+          <inkml:channel name="Y" type="integer" min="-2.14748E9" max="2.14748E9" units="cm"/>
+          <inkml:channel name="F" type="integer" max="32767" units="dev"/>
+        </inkml:traceFormat>
+        <inkml:channelProperties>
+          <inkml:channelProperty channel="X" name="resolution" value="1000" units="1/cm"/>
+          <inkml:channelProperty channel="Y" name="resolution" value="1000" units="1/cm"/>
+          <inkml:channelProperty channel="F" name="resolution" value="0" units="1/dev"/>
+        </inkml:channelProperties>
+      </inkml:inkSource>
+      <inkml:timestamp xml:id="ts0" timeString="2023-05-17T12:49:22.986"/>
+    </inkml:context>
+    <inkml:brush xml:id="br0">
+      <inkml:brushProperty name="width" value="0.35" units="cm"/>
+      <inkml:brushProperty name="height" value="0.35" units="cm"/>
+      <inkml:brushProperty name="color" value="#FFFFFF"/>
+    </inkml:brush>
+  </inkml:definitions>
+  <inkml:trace contextRef="#ctx0" brushRef="#br0">1 1 24575,'0'0'0</inkml:trace>
+</inkml:ink>
+</file>
+
 <file path=ppt/slideLayouts/slideLayout1.xml><?xml version="1.0" encoding="utf-8"?>
 <p:sldLayout xmlns:a="http://schemas.openxmlformats.org/drawingml/2006/main" xmlns:r="http://schemas.openxmlformats.org/officeDocument/2006/relationships" xmlns:p="http://schemas.openxmlformats.org/presentationml/2006/main" type="title" preserve="1">
   <p:cSld name="Title Slide">
@@ -261,7 +514,7 @@
           <a:p>
             <a:fld id="{9C0E8B70-4890-C644-B007-5F6185844CB0}" type="datetimeFigureOut">
               <a:rPr lang="en-DE" smtClean="0"/>
-              <a:t>07.05.23</a:t>
+              <a:t>31.05.23</a:t>
             </a:fld>
             <a:endParaRPr lang="en-DE"/>
           </a:p>
@@ -461,7 +714,7 @@
           <a:p>
             <a:fld id="{9C0E8B70-4890-C644-B007-5F6185844CB0}" type="datetimeFigureOut">
               <a:rPr lang="en-DE" smtClean="0"/>
-              <a:t>07.05.23</a:t>
+              <a:t>31.05.23</a:t>
             </a:fld>
             <a:endParaRPr lang="en-DE"/>
           </a:p>
@@ -671,7 +924,7 @@
           <a:p>
             <a:fld id="{9C0E8B70-4890-C644-B007-5F6185844CB0}" type="datetimeFigureOut">
               <a:rPr lang="en-DE" smtClean="0"/>
-              <a:t>07.05.23</a:t>
+              <a:t>31.05.23</a:t>
             </a:fld>
             <a:endParaRPr lang="en-DE"/>
           </a:p>
@@ -871,7 +1124,7 @@
           <a:p>
             <a:fld id="{9C0E8B70-4890-C644-B007-5F6185844CB0}" type="datetimeFigureOut">
               <a:rPr lang="en-DE" smtClean="0"/>
-              <a:t>07.05.23</a:t>
+              <a:t>31.05.23</a:t>
             </a:fld>
             <a:endParaRPr lang="en-DE"/>
           </a:p>
@@ -1147,7 +1400,7 @@
           <a:p>
             <a:fld id="{9C0E8B70-4890-C644-B007-5F6185844CB0}" type="datetimeFigureOut">
               <a:rPr lang="en-DE" smtClean="0"/>
-              <a:t>07.05.23</a:t>
+              <a:t>31.05.23</a:t>
             </a:fld>
             <a:endParaRPr lang="en-DE"/>
           </a:p>
@@ -1415,7 +1668,7 @@
           <a:p>
             <a:fld id="{9C0E8B70-4890-C644-B007-5F6185844CB0}" type="datetimeFigureOut">
               <a:rPr lang="en-DE" smtClean="0"/>
-              <a:t>07.05.23</a:t>
+              <a:t>31.05.23</a:t>
             </a:fld>
             <a:endParaRPr lang="en-DE"/>
           </a:p>
@@ -1830,7 +2083,7 @@
           <a:p>
             <a:fld id="{9C0E8B70-4890-C644-B007-5F6185844CB0}" type="datetimeFigureOut">
               <a:rPr lang="en-DE" smtClean="0"/>
-              <a:t>07.05.23</a:t>
+              <a:t>31.05.23</a:t>
             </a:fld>
             <a:endParaRPr lang="en-DE"/>
           </a:p>
@@ -1972,7 +2225,7 @@
           <a:p>
             <a:fld id="{9C0E8B70-4890-C644-B007-5F6185844CB0}" type="datetimeFigureOut">
               <a:rPr lang="en-DE" smtClean="0"/>
-              <a:t>07.05.23</a:t>
+              <a:t>31.05.23</a:t>
             </a:fld>
             <a:endParaRPr lang="en-DE"/>
           </a:p>
@@ -2085,7 +2338,7 @@
           <a:p>
             <a:fld id="{9C0E8B70-4890-C644-B007-5F6185844CB0}" type="datetimeFigureOut">
               <a:rPr lang="en-DE" smtClean="0"/>
-              <a:t>07.05.23</a:t>
+              <a:t>31.05.23</a:t>
             </a:fld>
             <a:endParaRPr lang="en-DE"/>
           </a:p>
@@ -2398,7 +2651,7 @@
           <a:p>
             <a:fld id="{9C0E8B70-4890-C644-B007-5F6185844CB0}" type="datetimeFigureOut">
               <a:rPr lang="en-DE" smtClean="0"/>
-              <a:t>07.05.23</a:t>
+              <a:t>31.05.23</a:t>
             </a:fld>
             <a:endParaRPr lang="en-DE"/>
           </a:p>
@@ -2687,7 +2940,7 @@
           <a:p>
             <a:fld id="{9C0E8B70-4890-C644-B007-5F6185844CB0}" type="datetimeFigureOut">
               <a:rPr lang="en-DE" smtClean="0"/>
-              <a:t>07.05.23</a:t>
+              <a:t>31.05.23</a:t>
             </a:fld>
             <a:endParaRPr lang="en-DE"/>
           </a:p>
@@ -2930,7 +3183,7 @@
           <a:p>
             <a:fld id="{9C0E8B70-4890-C644-B007-5F6185844CB0}" type="datetimeFigureOut">
               <a:rPr lang="en-DE" smtClean="0"/>
-              <a:t>07.05.23</a:t>
+              <a:t>31.05.23</a:t>
             </a:fld>
             <a:endParaRPr lang="en-DE"/>
           </a:p>
@@ -4096,6 +4349,954 @@
 </p:sld>
 </file>
 
+<file path=ppt/slides/slide2.xml><?xml version="1.0" encoding="utf-8"?>
+<p:sld xmlns:a="http://schemas.openxmlformats.org/drawingml/2006/main" xmlns:r="http://schemas.openxmlformats.org/officeDocument/2006/relationships" xmlns:p="http://schemas.openxmlformats.org/presentationml/2006/main">
+  <p:cSld>
+    <p:spTree>
+      <p:nvGrpSpPr>
+        <p:cNvPr id="1" name=""/>
+        <p:cNvGrpSpPr/>
+        <p:nvPr/>
+      </p:nvGrpSpPr>
+      <p:grpSpPr>
+        <a:xfrm>
+          <a:off x="0" y="0"/>
+          <a:ext cx="0" cy="0"/>
+          <a:chOff x="0" y="0"/>
+          <a:chExt cx="0" cy="0"/>
+        </a:xfrm>
+      </p:grpSpPr>
+      <p:pic>
+        <p:nvPicPr>
+          <p:cNvPr id="4" name="Picture 3" descr="A picture containing font, graphics, logo, symbol&#10;&#10;Description automatically generated">
+            <a:extLst>
+              <a:ext uri="{FF2B5EF4-FFF2-40B4-BE49-F238E27FC236}">
+                <a16:creationId xmlns:a16="http://schemas.microsoft.com/office/drawing/2014/main" id="{D386EC9F-AEEF-6EB8-093F-C41D86D876BD}"/>
+              </a:ext>
+            </a:extLst>
+          </p:cNvPr>
+          <p:cNvPicPr>
+            <a:picLocks noChangeAspect="1"/>
+          </p:cNvPicPr>
+          <p:nvPr/>
+        </p:nvPicPr>
+        <p:blipFill>
+          <a:blip r:embed="rId2">
+            <a:duotone>
+              <a:schemeClr val="accent5">
+                <a:shade val="45000"/>
+                <a:satMod val="135000"/>
+              </a:schemeClr>
+              <a:prstClr val="white"/>
+            </a:duotone>
+          </a:blip>
+          <a:stretch>
+            <a:fillRect/>
+          </a:stretch>
+        </p:blipFill>
+        <p:spPr>
+          <a:xfrm>
+            <a:off x="1863616" y="345669"/>
+            <a:ext cx="2095500" cy="1930400"/>
+          </a:xfrm>
+          <a:prstGeom prst="rect">
+            <a:avLst/>
+          </a:prstGeom>
+        </p:spPr>
+      </p:pic>
+      <p:pic>
+        <p:nvPicPr>
+          <p:cNvPr id="6" name="Picture 5" descr="A picture containing drawing, sketch&#10;&#10;Description automatically generated">
+            <a:extLst>
+              <a:ext uri="{FF2B5EF4-FFF2-40B4-BE49-F238E27FC236}">
+                <a16:creationId xmlns:a16="http://schemas.microsoft.com/office/drawing/2014/main" id="{657350C2-5D6E-A54A-36BE-B7815046A1BC}"/>
+              </a:ext>
+            </a:extLst>
+          </p:cNvPr>
+          <p:cNvPicPr>
+            <a:picLocks noChangeAspect="1"/>
+          </p:cNvPicPr>
+          <p:nvPr/>
+        </p:nvPicPr>
+        <p:blipFill>
+          <a:blip r:embed="rId3">
+            <a:duotone>
+              <a:schemeClr val="accent5">
+                <a:shade val="45000"/>
+                <a:satMod val="135000"/>
+              </a:schemeClr>
+              <a:prstClr val="white"/>
+            </a:duotone>
+          </a:blip>
+          <a:stretch>
+            <a:fillRect/>
+          </a:stretch>
+        </p:blipFill>
+        <p:spPr>
+          <a:xfrm>
+            <a:off x="1933466" y="4662424"/>
+            <a:ext cx="1955800" cy="1968500"/>
+          </a:xfrm>
+          <a:prstGeom prst="rect">
+            <a:avLst/>
+          </a:prstGeom>
+        </p:spPr>
+      </p:pic>
+      <p:grpSp>
+        <p:nvGrpSpPr>
+          <p:cNvPr id="35" name="Group 34">
+            <a:extLst>
+              <a:ext uri="{FF2B5EF4-FFF2-40B4-BE49-F238E27FC236}">
+                <a16:creationId xmlns:a16="http://schemas.microsoft.com/office/drawing/2014/main" id="{5F079E17-E795-907B-B4E7-F6BACD6AED70}"/>
+              </a:ext>
+            </a:extLst>
+          </p:cNvPr>
+          <p:cNvGrpSpPr/>
+          <p:nvPr/>
+        </p:nvGrpSpPr>
+        <p:grpSpPr>
+          <a:xfrm>
+            <a:off x="1933466" y="2314497"/>
+            <a:ext cx="2092620" cy="2229005"/>
+            <a:chOff x="4430869" y="1646456"/>
+            <a:chExt cx="3330262" cy="3565088"/>
+          </a:xfrm>
+        </p:grpSpPr>
+        <p:pic>
+          <p:nvPicPr>
+            <p:cNvPr id="10" name="Picture 9" descr="A picture containing symbol, font, graphics, logo&#10;&#10;Description automatically generated">
+              <a:extLst>
+                <a:ext uri="{FF2B5EF4-FFF2-40B4-BE49-F238E27FC236}">
+                  <a16:creationId xmlns:a16="http://schemas.microsoft.com/office/drawing/2014/main" id="{1B3A948D-D011-4A11-3CC9-47DCA042178D}"/>
+                </a:ext>
+              </a:extLst>
+            </p:cNvPr>
+            <p:cNvPicPr>
+              <a:picLocks noChangeAspect="1"/>
+            </p:cNvPicPr>
+            <p:nvPr/>
+          </p:nvPicPr>
+          <p:blipFill>
+            <a:blip r:embed="rId4">
+              <a:duotone>
+                <a:schemeClr val="accent5">
+                  <a:shade val="45000"/>
+                  <a:satMod val="135000"/>
+                </a:schemeClr>
+                <a:prstClr val="white"/>
+              </a:duotone>
+            </a:blip>
+            <a:stretch>
+              <a:fillRect/>
+            </a:stretch>
+          </p:blipFill>
+          <p:spPr>
+            <a:xfrm>
+              <a:off x="4430869" y="1646456"/>
+              <a:ext cx="3330262" cy="3565088"/>
+            </a:xfrm>
+            <a:prstGeom prst="rect">
+              <a:avLst/>
+            </a:prstGeom>
+          </p:spPr>
+        </p:pic>
+        <p:pic>
+          <p:nvPicPr>
+            <p:cNvPr id="8" name="Picture 7" descr="A picture containing circle, sketch, drawing, clipart&#10;&#10;Description automatically generated">
+              <a:extLst>
+                <a:ext uri="{FF2B5EF4-FFF2-40B4-BE49-F238E27FC236}">
+                  <a16:creationId xmlns:a16="http://schemas.microsoft.com/office/drawing/2014/main" id="{81BF5957-9EB6-ADB7-AB5E-F5BE752ED7B9}"/>
+                </a:ext>
+              </a:extLst>
+            </p:cNvPr>
+            <p:cNvPicPr>
+              <a:picLocks noChangeAspect="1"/>
+            </p:cNvPicPr>
+            <p:nvPr/>
+          </p:nvPicPr>
+          <p:blipFill>
+            <a:blip r:embed="rId5">
+              <a:duotone>
+                <a:srgbClr val="5B9BD5">
+                  <a:shade val="45000"/>
+                  <a:satMod val="135000"/>
+                </a:srgbClr>
+                <a:prstClr val="white"/>
+              </a:duotone>
+            </a:blip>
+            <a:stretch>
+              <a:fillRect/>
+            </a:stretch>
+          </p:blipFill>
+          <p:spPr>
+            <a:xfrm>
+              <a:off x="6323527" y="3819579"/>
+              <a:ext cx="870831" cy="859053"/>
+            </a:xfrm>
+            <a:prstGeom prst="rect">
+              <a:avLst/>
+            </a:prstGeom>
+          </p:spPr>
+        </p:pic>
+      </p:grpSp>
+      <p:grpSp>
+        <p:nvGrpSpPr>
+          <p:cNvPr id="34" name="Group 33">
+            <a:extLst>
+              <a:ext uri="{FF2B5EF4-FFF2-40B4-BE49-F238E27FC236}">
+                <a16:creationId xmlns:a16="http://schemas.microsoft.com/office/drawing/2014/main" id="{5AEEFDBD-19D9-0E69-D957-B23E75A82419}"/>
+              </a:ext>
+            </a:extLst>
+          </p:cNvPr>
+          <p:cNvGrpSpPr/>
+          <p:nvPr/>
+        </p:nvGrpSpPr>
+        <p:grpSpPr>
+          <a:xfrm>
+            <a:off x="8884780" y="2745720"/>
+            <a:ext cx="618840" cy="579600"/>
+            <a:chOff x="6540825" y="3918529"/>
+            <a:chExt cx="618840" cy="579600"/>
+          </a:xfrm>
+        </p:grpSpPr>
+        <mc:AlternateContent xmlns:mc="http://schemas.openxmlformats.org/markup-compatibility/2006" xmlns:p14="http://schemas.microsoft.com/office/powerpoint/2010/main">
+          <mc:Choice Requires="p14">
+            <p:contentPart p14:bwMode="auto" r:id="rId6">
+              <p14:nvContentPartPr>
+                <p14:cNvPr id="16" name="Ink 15">
+                  <a:extLst>
+                    <a:ext uri="{FF2B5EF4-FFF2-40B4-BE49-F238E27FC236}">
+                      <a16:creationId xmlns:a16="http://schemas.microsoft.com/office/drawing/2014/main" id="{B8BDC5D5-0561-F7CC-139A-96AC6420FBD1}"/>
+                    </a:ext>
+                  </a:extLst>
+                </p14:cNvPr>
+                <p14:cNvContentPartPr/>
+                <p14:nvPr/>
+              </p14:nvContentPartPr>
+              <p14:xfrm>
+                <a:off x="6630105" y="3951289"/>
+                <a:ext cx="360" cy="360"/>
+              </p14:xfrm>
+            </p:contentPart>
+          </mc:Choice>
+          <mc:Fallback xmlns="">
+            <p:pic>
+              <p:nvPicPr>
+                <p:cNvPr id="16" name="Ink 15">
+                  <a:extLst>
+                    <a:ext uri="{FF2B5EF4-FFF2-40B4-BE49-F238E27FC236}">
+                      <a16:creationId xmlns:a16="http://schemas.microsoft.com/office/drawing/2014/main" id="{B8BDC5D5-0561-F7CC-139A-96AC6420FBD1}"/>
+                    </a:ext>
+                  </a:extLst>
+                </p:cNvPr>
+                <p:cNvPicPr/>
+                <p:nvPr/>
+              </p:nvPicPr>
+              <p:blipFill>
+                <a:blip r:embed="rId7"/>
+                <a:stretch>
+                  <a:fillRect/>
+                </a:stretch>
+              </p:blipFill>
+              <p:spPr>
+                <a:xfrm>
+                  <a:off x="6567465" y="3888289"/>
+                  <a:ext cx="126000" cy="126000"/>
+                </a:xfrm>
+                <a:prstGeom prst="rect">
+                  <a:avLst/>
+                </a:prstGeom>
+              </p:spPr>
+            </p:pic>
+          </mc:Fallback>
+        </mc:AlternateContent>
+        <mc:AlternateContent xmlns:mc="http://schemas.openxmlformats.org/markup-compatibility/2006" xmlns:p14="http://schemas.microsoft.com/office/powerpoint/2010/main">
+          <mc:Choice Requires="p14">
+            <p:contentPart p14:bwMode="auto" r:id="rId8">
+              <p14:nvContentPartPr>
+                <p14:cNvPr id="17" name="Ink 16">
+                  <a:extLst>
+                    <a:ext uri="{FF2B5EF4-FFF2-40B4-BE49-F238E27FC236}">
+                      <a16:creationId xmlns:a16="http://schemas.microsoft.com/office/drawing/2014/main" id="{FEA4CC7E-FC8E-4C02-4805-13A18AA2346C}"/>
+                    </a:ext>
+                  </a:extLst>
+                </p14:cNvPr>
+                <p14:cNvContentPartPr/>
+                <p14:nvPr/>
+              </p14:nvContentPartPr>
+              <p14:xfrm>
+                <a:off x="6540825" y="3964609"/>
+                <a:ext cx="276840" cy="411840"/>
+              </p14:xfrm>
+            </p:contentPart>
+          </mc:Choice>
+          <mc:Fallback xmlns="">
+            <p:pic>
+              <p:nvPicPr>
+                <p:cNvPr id="17" name="Ink 16">
+                  <a:extLst>
+                    <a:ext uri="{FF2B5EF4-FFF2-40B4-BE49-F238E27FC236}">
+                      <a16:creationId xmlns:a16="http://schemas.microsoft.com/office/drawing/2014/main" id="{FEA4CC7E-FC8E-4C02-4805-13A18AA2346C}"/>
+                    </a:ext>
+                  </a:extLst>
+                </p:cNvPr>
+                <p:cNvPicPr/>
+                <p:nvPr/>
+              </p:nvPicPr>
+              <p:blipFill>
+                <a:blip r:embed="rId9"/>
+                <a:stretch>
+                  <a:fillRect/>
+                </a:stretch>
+              </p:blipFill>
+              <p:spPr>
+                <a:xfrm>
+                  <a:off x="6478185" y="3901969"/>
+                  <a:ext cx="402480" cy="537480"/>
+                </a:xfrm>
+                <a:prstGeom prst="rect">
+                  <a:avLst/>
+                </a:prstGeom>
+              </p:spPr>
+            </p:pic>
+          </mc:Fallback>
+        </mc:AlternateContent>
+        <mc:AlternateContent xmlns:mc="http://schemas.openxmlformats.org/markup-compatibility/2006" xmlns:p14="http://schemas.microsoft.com/office/powerpoint/2010/main">
+          <mc:Choice Requires="p14">
+            <p:contentPart p14:bwMode="auto" r:id="rId10">
+              <p14:nvContentPartPr>
+                <p14:cNvPr id="20" name="Ink 19">
+                  <a:extLst>
+                    <a:ext uri="{FF2B5EF4-FFF2-40B4-BE49-F238E27FC236}">
+                      <a16:creationId xmlns:a16="http://schemas.microsoft.com/office/drawing/2014/main" id="{FA13AC11-C411-9716-E291-D9960AC6AA7E}"/>
+                    </a:ext>
+                  </a:extLst>
+                </p14:cNvPr>
+                <p14:cNvContentPartPr/>
+                <p14:nvPr/>
+              </p14:nvContentPartPr>
+              <p14:xfrm>
+                <a:off x="6929265" y="3918529"/>
+                <a:ext cx="182160" cy="191520"/>
+              </p14:xfrm>
+            </p:contentPart>
+          </mc:Choice>
+          <mc:Fallback xmlns="">
+            <p:pic>
+              <p:nvPicPr>
+                <p:cNvPr id="20" name="Ink 19">
+                  <a:extLst>
+                    <a:ext uri="{FF2B5EF4-FFF2-40B4-BE49-F238E27FC236}">
+                      <a16:creationId xmlns:a16="http://schemas.microsoft.com/office/drawing/2014/main" id="{FA13AC11-C411-9716-E291-D9960AC6AA7E}"/>
+                    </a:ext>
+                  </a:extLst>
+                </p:cNvPr>
+                <p:cNvPicPr/>
+                <p:nvPr/>
+              </p:nvPicPr>
+              <p:blipFill>
+                <a:blip r:embed="rId11"/>
+                <a:stretch>
+                  <a:fillRect/>
+                </a:stretch>
+              </p:blipFill>
+              <p:spPr>
+                <a:xfrm>
+                  <a:off x="6866265" y="3855889"/>
+                  <a:ext cx="307800" cy="317160"/>
+                </a:xfrm>
+                <a:prstGeom prst="rect">
+                  <a:avLst/>
+                </a:prstGeom>
+              </p:spPr>
+            </p:pic>
+          </mc:Fallback>
+        </mc:AlternateContent>
+        <mc:AlternateContent xmlns:mc="http://schemas.openxmlformats.org/markup-compatibility/2006" xmlns:p14="http://schemas.microsoft.com/office/powerpoint/2010/main">
+          <mc:Choice Requires="p14">
+            <p:contentPart p14:bwMode="auto" r:id="rId12">
+              <p14:nvContentPartPr>
+                <p14:cNvPr id="22" name="Ink 21">
+                  <a:extLst>
+                    <a:ext uri="{FF2B5EF4-FFF2-40B4-BE49-F238E27FC236}">
+                      <a16:creationId xmlns:a16="http://schemas.microsoft.com/office/drawing/2014/main" id="{D947D6D4-C617-F6A9-5E72-5F42213DB368}"/>
+                    </a:ext>
+                  </a:extLst>
+                </p14:cNvPr>
+                <p14:cNvContentPartPr/>
+                <p14:nvPr/>
+              </p14:nvContentPartPr>
+              <p14:xfrm>
+                <a:off x="7110705" y="3990169"/>
+                <a:ext cx="360" cy="360"/>
+              </p14:xfrm>
+            </p:contentPart>
+          </mc:Choice>
+          <mc:Fallback xmlns="">
+            <p:pic>
+              <p:nvPicPr>
+                <p:cNvPr id="22" name="Ink 21">
+                  <a:extLst>
+                    <a:ext uri="{FF2B5EF4-FFF2-40B4-BE49-F238E27FC236}">
+                      <a16:creationId xmlns:a16="http://schemas.microsoft.com/office/drawing/2014/main" id="{D947D6D4-C617-F6A9-5E72-5F42213DB368}"/>
+                    </a:ext>
+                  </a:extLst>
+                </p:cNvPr>
+                <p:cNvPicPr/>
+                <p:nvPr/>
+              </p:nvPicPr>
+              <p:blipFill>
+                <a:blip r:embed="rId7"/>
+                <a:stretch>
+                  <a:fillRect/>
+                </a:stretch>
+              </p:blipFill>
+              <p:spPr>
+                <a:xfrm>
+                  <a:off x="7048065" y="3927169"/>
+                  <a:ext cx="126000" cy="126000"/>
+                </a:xfrm>
+                <a:prstGeom prst="rect">
+                  <a:avLst/>
+                </a:prstGeom>
+              </p:spPr>
+            </p:pic>
+          </mc:Fallback>
+        </mc:AlternateContent>
+        <mc:AlternateContent xmlns:mc="http://schemas.openxmlformats.org/markup-compatibility/2006" xmlns:p14="http://schemas.microsoft.com/office/powerpoint/2010/main">
+          <mc:Choice Requires="p14">
+            <p:contentPart p14:bwMode="auto" r:id="rId13">
+              <p14:nvContentPartPr>
+                <p14:cNvPr id="25" name="Ink 24">
+                  <a:extLst>
+                    <a:ext uri="{FF2B5EF4-FFF2-40B4-BE49-F238E27FC236}">
+                      <a16:creationId xmlns:a16="http://schemas.microsoft.com/office/drawing/2014/main" id="{E6BEFD65-2520-4934-6508-E69BE9F3BF5E}"/>
+                    </a:ext>
+                  </a:extLst>
+                </p14:cNvPr>
+                <p14:cNvContentPartPr/>
+                <p14:nvPr/>
+              </p14:nvContentPartPr>
+              <p14:xfrm>
+                <a:off x="7129065" y="3956329"/>
+                <a:ext cx="360" cy="360"/>
+              </p14:xfrm>
+            </p:contentPart>
+          </mc:Choice>
+          <mc:Fallback xmlns="">
+            <p:pic>
+              <p:nvPicPr>
+                <p:cNvPr id="25" name="Ink 24">
+                  <a:extLst>
+                    <a:ext uri="{FF2B5EF4-FFF2-40B4-BE49-F238E27FC236}">
+                      <a16:creationId xmlns:a16="http://schemas.microsoft.com/office/drawing/2014/main" id="{E6BEFD65-2520-4934-6508-E69BE9F3BF5E}"/>
+                    </a:ext>
+                  </a:extLst>
+                </p:cNvPr>
+                <p:cNvPicPr/>
+                <p:nvPr/>
+              </p:nvPicPr>
+              <p:blipFill>
+                <a:blip r:embed="rId7"/>
+                <a:stretch>
+                  <a:fillRect/>
+                </a:stretch>
+              </p:blipFill>
+              <p:spPr>
+                <a:xfrm>
+                  <a:off x="7066065" y="3893329"/>
+                  <a:ext cx="126000" cy="126000"/>
+                </a:xfrm>
+                <a:prstGeom prst="rect">
+                  <a:avLst/>
+                </a:prstGeom>
+              </p:spPr>
+            </p:pic>
+          </mc:Fallback>
+        </mc:AlternateContent>
+        <mc:AlternateContent xmlns:mc="http://schemas.openxmlformats.org/markup-compatibility/2006" xmlns:p14="http://schemas.microsoft.com/office/powerpoint/2010/main">
+          <mc:Choice Requires="p14">
+            <p:contentPart p14:bwMode="auto" r:id="rId14">
+              <p14:nvContentPartPr>
+                <p14:cNvPr id="24" name="Ink 23">
+                  <a:extLst>
+                    <a:ext uri="{FF2B5EF4-FFF2-40B4-BE49-F238E27FC236}">
+                      <a16:creationId xmlns:a16="http://schemas.microsoft.com/office/drawing/2014/main" id="{09281365-A6ED-462C-B921-1DB5488C1702}"/>
+                    </a:ext>
+                  </a:extLst>
+                </p14:cNvPr>
+                <p14:cNvContentPartPr/>
+                <p14:nvPr/>
+              </p14:nvContentPartPr>
+              <p14:xfrm>
+                <a:off x="7118985" y="4255489"/>
+                <a:ext cx="360" cy="360"/>
+              </p14:xfrm>
+            </p:contentPart>
+          </mc:Choice>
+          <mc:Fallback xmlns="">
+            <p:pic>
+              <p:nvPicPr>
+                <p:cNvPr id="24" name="Ink 23">
+                  <a:extLst>
+                    <a:ext uri="{FF2B5EF4-FFF2-40B4-BE49-F238E27FC236}">
+                      <a16:creationId xmlns:a16="http://schemas.microsoft.com/office/drawing/2014/main" id="{09281365-A6ED-462C-B921-1DB5488C1702}"/>
+                    </a:ext>
+                  </a:extLst>
+                </p:cNvPr>
+                <p:cNvPicPr/>
+                <p:nvPr/>
+              </p:nvPicPr>
+              <p:blipFill>
+                <a:blip r:embed="rId7"/>
+                <a:stretch>
+                  <a:fillRect/>
+                </a:stretch>
+              </p:blipFill>
+              <p:spPr>
+                <a:xfrm>
+                  <a:off x="7055985" y="4192849"/>
+                  <a:ext cx="126000" cy="126000"/>
+                </a:xfrm>
+                <a:prstGeom prst="rect">
+                  <a:avLst/>
+                </a:prstGeom>
+              </p:spPr>
+            </p:pic>
+          </mc:Fallback>
+        </mc:AlternateContent>
+        <mc:AlternateContent xmlns:mc="http://schemas.openxmlformats.org/markup-compatibility/2006" xmlns:p14="http://schemas.microsoft.com/office/powerpoint/2010/main">
+          <mc:Choice Requires="p14">
+            <p:contentPart p14:bwMode="auto" r:id="rId15">
+              <p14:nvContentPartPr>
+                <p14:cNvPr id="27" name="Ink 26">
+                  <a:extLst>
+                    <a:ext uri="{FF2B5EF4-FFF2-40B4-BE49-F238E27FC236}">
+                      <a16:creationId xmlns:a16="http://schemas.microsoft.com/office/drawing/2014/main" id="{E8E048D7-7581-0384-C899-8A2C02707D5F}"/>
+                    </a:ext>
+                  </a:extLst>
+                </p14:cNvPr>
+                <p14:cNvContentPartPr/>
+                <p14:nvPr/>
+              </p14:nvContentPartPr>
+              <p14:xfrm>
+                <a:off x="7159305" y="4157209"/>
+                <a:ext cx="360" cy="360"/>
+              </p14:xfrm>
+            </p:contentPart>
+          </mc:Choice>
+          <mc:Fallback xmlns="">
+            <p:pic>
+              <p:nvPicPr>
+                <p:cNvPr id="27" name="Ink 26">
+                  <a:extLst>
+                    <a:ext uri="{FF2B5EF4-FFF2-40B4-BE49-F238E27FC236}">
+                      <a16:creationId xmlns:a16="http://schemas.microsoft.com/office/drawing/2014/main" id="{E8E048D7-7581-0384-C899-8A2C02707D5F}"/>
+                    </a:ext>
+                  </a:extLst>
+                </p:cNvPr>
+                <p:cNvPicPr/>
+                <p:nvPr/>
+              </p:nvPicPr>
+              <p:blipFill>
+                <a:blip r:embed="rId7"/>
+                <a:stretch>
+                  <a:fillRect/>
+                </a:stretch>
+              </p:blipFill>
+              <p:spPr>
+                <a:xfrm>
+                  <a:off x="7096665" y="4094569"/>
+                  <a:ext cx="126000" cy="126000"/>
+                </a:xfrm>
+                <a:prstGeom prst="rect">
+                  <a:avLst/>
+                </a:prstGeom>
+              </p:spPr>
+            </p:pic>
+          </mc:Fallback>
+        </mc:AlternateContent>
+        <mc:AlternateContent xmlns:mc="http://schemas.openxmlformats.org/markup-compatibility/2006" xmlns:p14="http://schemas.microsoft.com/office/powerpoint/2010/main">
+          <mc:Choice Requires="p14">
+            <p:contentPart p14:bwMode="auto" r:id="rId16">
+              <p14:nvContentPartPr>
+                <p14:cNvPr id="29" name="Ink 28">
+                  <a:extLst>
+                    <a:ext uri="{FF2B5EF4-FFF2-40B4-BE49-F238E27FC236}">
+                      <a16:creationId xmlns:a16="http://schemas.microsoft.com/office/drawing/2014/main" id="{13B83906-2A03-365B-7CA4-8AF7A6BD0F5D}"/>
+                    </a:ext>
+                  </a:extLst>
+                </p14:cNvPr>
+                <p14:cNvContentPartPr/>
+                <p14:nvPr/>
+              </p14:nvContentPartPr>
+              <p14:xfrm>
+                <a:off x="7095225" y="4497769"/>
+                <a:ext cx="360" cy="360"/>
+              </p14:xfrm>
+            </p:contentPart>
+          </mc:Choice>
+          <mc:Fallback xmlns="">
+            <p:pic>
+              <p:nvPicPr>
+                <p:cNvPr id="29" name="Ink 28">
+                  <a:extLst>
+                    <a:ext uri="{FF2B5EF4-FFF2-40B4-BE49-F238E27FC236}">
+                      <a16:creationId xmlns:a16="http://schemas.microsoft.com/office/drawing/2014/main" id="{13B83906-2A03-365B-7CA4-8AF7A6BD0F5D}"/>
+                    </a:ext>
+                  </a:extLst>
+                </p:cNvPr>
+                <p:cNvPicPr/>
+                <p:nvPr/>
+              </p:nvPicPr>
+              <p:blipFill>
+                <a:blip r:embed="rId7"/>
+                <a:stretch>
+                  <a:fillRect/>
+                </a:stretch>
+              </p:blipFill>
+              <p:spPr>
+                <a:xfrm>
+                  <a:off x="7032225" y="4434769"/>
+                  <a:ext cx="126000" cy="126000"/>
+                </a:xfrm>
+                <a:prstGeom prst="rect">
+                  <a:avLst/>
+                </a:prstGeom>
+              </p:spPr>
+            </p:pic>
+          </mc:Fallback>
+        </mc:AlternateContent>
+        <mc:AlternateContent xmlns:mc="http://schemas.openxmlformats.org/markup-compatibility/2006" xmlns:p14="http://schemas.microsoft.com/office/powerpoint/2010/main">
+          <mc:Choice Requires="p14">
+            <p:contentPart p14:bwMode="auto" r:id="rId17">
+              <p14:nvContentPartPr>
+                <p14:cNvPr id="30" name="Ink 29">
+                  <a:extLst>
+                    <a:ext uri="{FF2B5EF4-FFF2-40B4-BE49-F238E27FC236}">
+                      <a16:creationId xmlns:a16="http://schemas.microsoft.com/office/drawing/2014/main" id="{90F1A009-CAB5-7319-0464-C6108F0993F3}"/>
+                    </a:ext>
+                  </a:extLst>
+                </p14:cNvPr>
+                <p14:cNvContentPartPr/>
+                <p14:nvPr/>
+              </p14:nvContentPartPr>
+              <p14:xfrm>
+                <a:off x="7129425" y="4486609"/>
+                <a:ext cx="360" cy="360"/>
+              </p14:xfrm>
+            </p:contentPart>
+          </mc:Choice>
+          <mc:Fallback xmlns="">
+            <p:pic>
+              <p:nvPicPr>
+                <p:cNvPr id="30" name="Ink 29">
+                  <a:extLst>
+                    <a:ext uri="{FF2B5EF4-FFF2-40B4-BE49-F238E27FC236}">
+                      <a16:creationId xmlns:a16="http://schemas.microsoft.com/office/drawing/2014/main" id="{90F1A009-CAB5-7319-0464-C6108F0993F3}"/>
+                    </a:ext>
+                  </a:extLst>
+                </p:cNvPr>
+                <p:cNvPicPr/>
+                <p:nvPr/>
+              </p:nvPicPr>
+              <p:blipFill>
+                <a:blip r:embed="rId7"/>
+                <a:stretch>
+                  <a:fillRect/>
+                </a:stretch>
+              </p:blipFill>
+              <p:spPr>
+                <a:xfrm>
+                  <a:off x="7066785" y="4423969"/>
+                  <a:ext cx="126000" cy="126000"/>
+                </a:xfrm>
+                <a:prstGeom prst="rect">
+                  <a:avLst/>
+                </a:prstGeom>
+              </p:spPr>
+            </p:pic>
+          </mc:Fallback>
+        </mc:AlternateContent>
+      </p:grpSp>
+      <p:sp>
+        <p:nvSpPr>
+          <p:cNvPr id="36" name="TextBox 35">
+            <a:extLst>
+              <a:ext uri="{FF2B5EF4-FFF2-40B4-BE49-F238E27FC236}">
+                <a16:creationId xmlns:a16="http://schemas.microsoft.com/office/drawing/2014/main" id="{9F8A45B8-D080-87E4-1614-91A22FEAE20D}"/>
+              </a:ext>
+            </a:extLst>
+          </p:cNvPr>
+          <p:cNvSpPr txBox="1"/>
+          <p:nvPr/>
+        </p:nvSpPr>
+        <p:spPr>
+          <a:xfrm>
+            <a:off x="369667" y="1310869"/>
+            <a:ext cx="1598615" cy="369332"/>
+          </a:xfrm>
+          <a:prstGeom prst="rect">
+            <a:avLst/>
+          </a:prstGeom>
+          <a:noFill/>
+        </p:spPr>
+        <p:txBody>
+          <a:bodyPr wrap="square" rtlCol="0">
+            <a:spAutoFit/>
+          </a:bodyPr>
+          <a:lstStyle/>
+          <a:p>
+            <a:r>
+              <a:rPr lang="en-GB" b="1" dirty="0">
+                <a:latin typeface="Helvetica" pitchFamily="2" charset="0"/>
+              </a:rPr>
+              <a:t>Chapter 1</a:t>
+            </a:r>
+            <a:endParaRPr lang="en-DE" b="1" dirty="0">
+              <a:latin typeface="Helvetica" pitchFamily="2" charset="0"/>
+            </a:endParaRPr>
+          </a:p>
+        </p:txBody>
+      </p:sp>
+      <p:sp>
+        <p:nvSpPr>
+          <p:cNvPr id="37" name="TextBox 36">
+            <a:extLst>
+              <a:ext uri="{FF2B5EF4-FFF2-40B4-BE49-F238E27FC236}">
+                <a16:creationId xmlns:a16="http://schemas.microsoft.com/office/drawing/2014/main" id="{EC08006B-94C3-F923-070F-92BA1BBC4231}"/>
+              </a:ext>
+            </a:extLst>
+          </p:cNvPr>
+          <p:cNvSpPr txBox="1"/>
+          <p:nvPr/>
+        </p:nvSpPr>
+        <p:spPr>
+          <a:xfrm>
+            <a:off x="369667" y="3324960"/>
+            <a:ext cx="1598615" cy="369332"/>
+          </a:xfrm>
+          <a:prstGeom prst="rect">
+            <a:avLst/>
+          </a:prstGeom>
+          <a:noFill/>
+        </p:spPr>
+        <p:txBody>
+          <a:bodyPr wrap="square" rtlCol="0">
+            <a:spAutoFit/>
+          </a:bodyPr>
+          <a:lstStyle/>
+          <a:p>
+            <a:r>
+              <a:rPr lang="en-GB" b="1" dirty="0">
+                <a:latin typeface="Helvetica" pitchFamily="2" charset="0"/>
+              </a:rPr>
+              <a:t>Chapter 2</a:t>
+            </a:r>
+            <a:endParaRPr lang="en-DE" b="1" dirty="0">
+              <a:latin typeface="Helvetica" pitchFamily="2" charset="0"/>
+            </a:endParaRPr>
+          </a:p>
+        </p:txBody>
+      </p:sp>
+      <p:sp>
+        <p:nvSpPr>
+          <p:cNvPr id="38" name="TextBox 37">
+            <a:extLst>
+              <a:ext uri="{FF2B5EF4-FFF2-40B4-BE49-F238E27FC236}">
+                <a16:creationId xmlns:a16="http://schemas.microsoft.com/office/drawing/2014/main" id="{A787223B-EE3C-94D8-D139-397CC5063D31}"/>
+              </a:ext>
+            </a:extLst>
+          </p:cNvPr>
+          <p:cNvSpPr txBox="1"/>
+          <p:nvPr/>
+        </p:nvSpPr>
+        <p:spPr>
+          <a:xfrm>
+            <a:off x="369667" y="5278912"/>
+            <a:ext cx="1598615" cy="369332"/>
+          </a:xfrm>
+          <a:prstGeom prst="rect">
+            <a:avLst/>
+          </a:prstGeom>
+          <a:noFill/>
+        </p:spPr>
+        <p:txBody>
+          <a:bodyPr wrap="square" rtlCol="0">
+            <a:spAutoFit/>
+          </a:bodyPr>
+          <a:lstStyle/>
+          <a:p>
+            <a:r>
+              <a:rPr lang="en-GB" b="1" dirty="0">
+                <a:latin typeface="Helvetica" pitchFamily="2" charset="0"/>
+              </a:rPr>
+              <a:t>Chapter 3</a:t>
+            </a:r>
+            <a:endParaRPr lang="en-DE" b="1" dirty="0">
+              <a:latin typeface="Helvetica" pitchFamily="2" charset="0"/>
+            </a:endParaRPr>
+          </a:p>
+        </p:txBody>
+      </p:sp>
+      <p:sp>
+        <p:nvSpPr>
+          <p:cNvPr id="39" name="TextBox 38">
+            <a:extLst>
+              <a:ext uri="{FF2B5EF4-FFF2-40B4-BE49-F238E27FC236}">
+                <a16:creationId xmlns:a16="http://schemas.microsoft.com/office/drawing/2014/main" id="{468FC87C-AA80-8EA1-DA62-6599E942832D}"/>
+              </a:ext>
+            </a:extLst>
+          </p:cNvPr>
+          <p:cNvSpPr txBox="1"/>
+          <p:nvPr/>
+        </p:nvSpPr>
+        <p:spPr>
+          <a:xfrm>
+            <a:off x="4165600" y="1172369"/>
+            <a:ext cx="6438900" cy="646331"/>
+          </a:xfrm>
+          <a:prstGeom prst="rect">
+            <a:avLst/>
+          </a:prstGeom>
+          <a:noFill/>
+        </p:spPr>
+        <p:txBody>
+          <a:bodyPr wrap="square" rtlCol="0">
+            <a:spAutoFit/>
+          </a:bodyPr>
+          <a:lstStyle/>
+          <a:p>
+            <a:pPr algn="ctr"/>
+            <a:r>
+              <a:rPr lang="en-GB" i="1" dirty="0">
+                <a:effectLst/>
+                <a:latin typeface="Helvetica" pitchFamily="2" charset="0"/>
+              </a:rPr>
+              <a:t>Bibliometric Analysis of European Research on Digital Divide:</a:t>
+            </a:r>
+            <a:endParaRPr lang="en-GB" dirty="0">
+              <a:effectLst/>
+              <a:latin typeface="Helvetica" pitchFamily="2" charset="0"/>
+            </a:endParaRPr>
+          </a:p>
+          <a:p>
+            <a:pPr algn="ctr"/>
+            <a:r>
+              <a:rPr lang="en-GB" i="1" dirty="0">
+                <a:effectLst/>
+                <a:latin typeface="Helvetica" pitchFamily="2" charset="0"/>
+              </a:rPr>
+              <a:t>An Exploration of the Corporate Landscape</a:t>
+            </a:r>
+            <a:endParaRPr lang="en-GB" dirty="0">
+              <a:effectLst/>
+              <a:latin typeface="Helvetica" pitchFamily="2" charset="0"/>
+            </a:endParaRPr>
+          </a:p>
+        </p:txBody>
+      </p:sp>
+      <p:sp>
+        <p:nvSpPr>
+          <p:cNvPr id="40" name="TextBox 39">
+            <a:extLst>
+              <a:ext uri="{FF2B5EF4-FFF2-40B4-BE49-F238E27FC236}">
+                <a16:creationId xmlns:a16="http://schemas.microsoft.com/office/drawing/2014/main" id="{D1E9BB97-5134-DA17-E02F-955EBEBFF3E7}"/>
+              </a:ext>
+            </a:extLst>
+          </p:cNvPr>
+          <p:cNvSpPr txBox="1"/>
+          <p:nvPr/>
+        </p:nvSpPr>
+        <p:spPr>
+          <a:xfrm>
+            <a:off x="4343400" y="3324960"/>
+            <a:ext cx="6438900" cy="646331"/>
+          </a:xfrm>
+          <a:prstGeom prst="rect">
+            <a:avLst/>
+          </a:prstGeom>
+          <a:noFill/>
+        </p:spPr>
+        <p:txBody>
+          <a:bodyPr wrap="square" rtlCol="0">
+            <a:spAutoFit/>
+          </a:bodyPr>
+          <a:lstStyle/>
+          <a:p>
+            <a:pPr algn="ctr"/>
+            <a:r>
+              <a:rPr lang="en-GB" i="1" dirty="0">
+                <a:effectLst/>
+                <a:latin typeface="Helvetica" pitchFamily="2" charset="0"/>
+              </a:rPr>
+              <a:t>Digital Divide in European Enterprises: A Clusterwise Linear Regression Analysis of Digital Technology Usage</a:t>
+            </a:r>
+            <a:endParaRPr lang="en-GB" dirty="0">
+              <a:effectLst/>
+              <a:latin typeface="Helvetica" pitchFamily="2" charset="0"/>
+            </a:endParaRPr>
+          </a:p>
+        </p:txBody>
+      </p:sp>
+      <p:sp>
+        <p:nvSpPr>
+          <p:cNvPr id="41" name="TextBox 40">
+            <a:extLst>
+              <a:ext uri="{FF2B5EF4-FFF2-40B4-BE49-F238E27FC236}">
+                <a16:creationId xmlns:a16="http://schemas.microsoft.com/office/drawing/2014/main" id="{BF942539-CB33-468E-443F-5EFFBE4AB508}"/>
+              </a:ext>
+            </a:extLst>
+          </p:cNvPr>
+          <p:cNvSpPr txBox="1"/>
+          <p:nvPr/>
+        </p:nvSpPr>
+        <p:spPr>
+          <a:xfrm>
+            <a:off x="4343400" y="5362465"/>
+            <a:ext cx="6438900" cy="646331"/>
+          </a:xfrm>
+          <a:prstGeom prst="rect">
+            <a:avLst/>
+          </a:prstGeom>
+          <a:noFill/>
+        </p:spPr>
+        <p:txBody>
+          <a:bodyPr wrap="square" rtlCol="0">
+            <a:spAutoFit/>
+          </a:bodyPr>
+          <a:lstStyle>
+            <a:defPPr>
+              <a:defRPr lang="en-DE"/>
+            </a:defPPr>
+            <a:lvl1pPr algn="ctr">
+              <a:defRPr i="1">
+                <a:effectLst/>
+                <a:latin typeface="Helvetica" pitchFamily="2" charset="0"/>
+              </a:defRPr>
+            </a:lvl1pPr>
+          </a:lstStyle>
+          <a:p>
+            <a:r>
+              <a:rPr lang="en-GB" dirty="0"/>
+              <a:t>Digital Technologies and Innovation in Europe: A Sectoral Analysis Using Panel Data</a:t>
+            </a:r>
+          </a:p>
+        </p:txBody>
+      </p:sp>
+    </p:spTree>
+    <p:extLst>
+      <p:ext uri="{BB962C8B-B14F-4D97-AF65-F5344CB8AC3E}">
+        <p14:creationId xmlns:p14="http://schemas.microsoft.com/office/powerpoint/2010/main" val="2096932445"/>
+      </p:ext>
+    </p:extLst>
+  </p:cSld>
+  <p:clrMapOvr>
+    <a:masterClrMapping/>
+  </p:clrMapOvr>
+</p:sld>
+</file>
+
 <file path=ppt/theme/theme1.xml><?xml version="1.0" encoding="utf-8"?>
 <a:theme xmlns:a="http://schemas.openxmlformats.org/drawingml/2006/main" name="Office Theme">
   <a:themeElements>
